--- a/ch08/设计素材与网站资源管理架构.pptx
+++ b/ch08/设计素材与网站资源管理架构.pptx
@@ -2933,7 +2933,7 @@
           <a:p>
             <a:r>
               <a:rPr lang="zh-CN" altLang="en-US" sz="4000"/>
-              <a:t>微信服务器素材与开发者网站资源结构</a:t>
+              <a:t>微信素材与开发者网站资源管理结构</a:t>
             </a:r>
             <a:endParaRPr lang="zh-CN" altLang="en-US" sz="4000"/>
           </a:p>
@@ -3012,7 +3012,10 @@
             <a:endParaRPr lang="zh-CN" altLang="en-US"/>
           </a:p>
           <a:p>
-            <a:pPr marL="457200" lvl="1" indent="0">
+            <a:pPr marL="457200" lvl="1" indent="0" fontAlgn="auto">
+              <a:lnSpc>
+                <a:spcPct val="110000"/>
+              </a:lnSpc>
               <a:buNone/>
             </a:pPr>
             <a:r>
@@ -3022,13 +3025,31 @@
             <a:endParaRPr lang="zh-CN" altLang="en-US"/>
           </a:p>
           <a:p>
+            <a:pPr marL="457200" lvl="1" indent="0" fontAlgn="auto">
+              <a:lnSpc>
+                <a:spcPct val="110000"/>
+              </a:lnSpc>
+              <a:buNone/>
+            </a:pPr>
+            <a:endParaRPr lang="zh-CN" altLang="en-US"/>
+          </a:p>
+          <a:p>
+            <a:pPr marL="457200" lvl="1" indent="0" fontAlgn="auto">
+              <a:lnSpc>
+                <a:spcPct val="110000"/>
+              </a:lnSpc>
+              <a:buNone/>
+            </a:pPr>
+            <a:r>
+              <a:rPr lang="zh-CN" altLang="en-US"/>
+              <a:t>而通常的内容管理、多媒体文件的管理，需要网站和微信公众号的图文消息以及多媒体素材建立关系，实现开发者网站与公众号的同步。</a:t>
+            </a:r>
+            <a:endParaRPr lang="zh-CN" altLang="en-US"/>
+          </a:p>
+          <a:p>
             <a:pPr marL="457200" lvl="1" indent="0">
               <a:buNone/>
             </a:pPr>
-            <a:r>
-              <a:rPr lang="zh-CN" altLang="en-US"/>
-              <a:t>但是类似于上传图文或是多媒体素材，不需要针对网站和微信上传两次，对于大量数据要在两个平台上更改很麻烦，管理员希望的是可以自动创建，这需要我们设计一种方案方便管理，并且要知道微信图文对应于网站的哪个文章，每个媒体文件的对应关系。</a:t>
-            </a:r>
             <a:endParaRPr lang="zh-CN" altLang="en-US"/>
           </a:p>
           <a:p>
@@ -3268,8 +3289,8 @@
         </p:blipFill>
         <p:spPr>
           <a:xfrm>
-            <a:off x="3807460" y="2522220"/>
-            <a:ext cx="7675880" cy="4034790"/>
+            <a:off x="3783965" y="2416175"/>
+            <a:ext cx="7809865" cy="4105275"/>
           </a:xfrm>
           <a:prstGeom prst="rect">
             <a:avLst/>
@@ -3297,6 +3318,10 @@
             <a:spAutoFit/>
           </a:bodyPr>
           <a:p>
+            <a:pPr marL="342900" indent="-342900">
+              <a:buFont typeface="Arial" panose="02080604020202020204" pitchFamily="34" charset="0"/>
+              <a:buChar char="•"/>
+            </a:pPr>
             <a:r>
               <a:rPr lang="en-US" altLang="zh-CN" sz="2400">
                 <a:uFillTx/>
